--- a/9.final/实现评审.pptx
+++ b/9.final/实现评审.pptx
@@ -17,15 +17,14 @@
     <p:sldId id="302" r:id="rId12"/>
     <p:sldId id="265" r:id="rId13"/>
     <p:sldId id="303" r:id="rId14"/>
-    <p:sldId id="279" r:id="rId15"/>
-    <p:sldId id="280" r:id="rId16"/>
-    <p:sldId id="281" r:id="rId17"/>
-    <p:sldId id="272" r:id="rId18"/>
-    <p:sldId id="273" r:id="rId19"/>
-    <p:sldId id="274" r:id="rId20"/>
-    <p:sldId id="275" r:id="rId21"/>
-    <p:sldId id="278" r:id="rId22"/>
-    <p:sldId id="277" r:id="rId23"/>
+    <p:sldId id="280" r:id="rId15"/>
+    <p:sldId id="281" r:id="rId16"/>
+    <p:sldId id="273" r:id="rId17"/>
+    <p:sldId id="274" r:id="rId18"/>
+    <p:sldId id="275" r:id="rId19"/>
+    <p:sldId id="319" r:id="rId20"/>
+    <p:sldId id="278" r:id="rId21"/>
+    <p:sldId id="277" r:id="rId22"/>
   </p:sldIdLst>
   <p:sldSz cx="12192000" cy="6858000"/>
   <p:notesSz cx="6858000" cy="9144000"/>
@@ -16145,7 +16144,7 @@
           <a:p>
             <a:r>
               <a:rPr lang="zh-CN" altLang="en-US"/>
-              <a:t>7.版本控制服务器</a:t>
+              <a:t>版本控制服务器</a:t>
             </a:r>
             <a:endParaRPr lang="zh-CN" altLang="en-US"/>
           </a:p>
@@ -16667,7 +16666,7 @@
                 <a:effectLst/>
                 <a:cs typeface="微软雅黑" panose="020B0503020204020204" pitchFamily="34" charset="-122"/>
               </a:rPr>
-              <a:t>8.测试计划</a:t>
+              <a:t>测试计划</a:t>
             </a:r>
             <a:endParaRPr kumimoji="0" lang="zh-CN" altLang="en-US" sz="3200" b="1" i="0" kern="1200" cap="none" spc="160" normalizeH="0" noProof="0">
               <a:ln>
@@ -17024,7 +17023,7 @@
               <a:t>*</a:t>
             </a:r>
             <a:r>
-              <a:rPr kumimoji="0" lang="zh-CN" altLang="en-US" sz="2000" b="1" i="0" kern="1200" cap="none" spc="120" normalizeH="0" noProof="0">
+              <a:rPr kumimoji="0" lang="zh-CN" altLang="en-US" sz="2000" i="0" kern="1200" cap="none" spc="120" normalizeH="0" noProof="0">
                 <a:ln>
                   <a:noFill/>
                 </a:ln>
@@ -17040,7 +17039,7 @@
               </a:rPr>
               <a:t>详见测试计划</a:t>
             </a:r>
-            <a:endParaRPr kumimoji="0" lang="en-US" altLang="zh-CN" sz="2000" b="1" i="0" kern="1200" cap="none" spc="120" normalizeH="0" noProof="0">
+            <a:endParaRPr kumimoji="0" lang="en-US" altLang="zh-CN" sz="2000" i="0" kern="1200" cap="none" spc="120" normalizeH="0" noProof="0">
               <a:ln>
                 <a:noFill/>
               </a:ln>
@@ -17094,33 +17093,41 @@
           <a:p>
             <a:r>
               <a:rPr lang="zh-CN" altLang="en-US"/>
-              <a:t>9.测试结果</a:t>
+              <a:t>集成测试</a:t>
             </a:r>
             <a:endParaRPr lang="zh-CN" altLang="en-US"/>
           </a:p>
         </p:txBody>
       </p:sp>
-      <p:sp>
-        <p:nvSpPr>
-          <p:cNvPr id="3" name="内容占位符 2"/>
-          <p:cNvSpPr>
-            <a:spLocks noGrp="1"/>
-          </p:cNvSpPr>
+      <p:pic>
+        <p:nvPicPr>
+          <p:cNvPr id="4" name="内容占位符 3"/>
+          <p:cNvPicPr>
+            <a:picLocks noChangeAspect="1"/>
+          </p:cNvPicPr>
           <p:nvPr>
             <p:ph idx="1"/>
           </p:nvPr>
-        </p:nvSpPr>
-        <p:spPr/>
-        <p:txBody>
-          <a:bodyPr/>
-          <a:p>
-            <a:endParaRPr lang="zh-CN" altLang="en-US"/>
-          </a:p>
-        </p:txBody>
-      </p:sp>
+        </p:nvPicPr>
+        <p:blipFill>
+          <a:blip r:embed="rId1"/>
+          <a:stretch>
+            <a:fillRect/>
+          </a:stretch>
+        </p:blipFill>
+        <p:spPr>
+          <a:xfrm>
+            <a:off x="1384935" y="952500"/>
+            <a:ext cx="9420860" cy="5388610"/>
+          </a:xfrm>
+          <a:prstGeom prst="rect">
+            <a:avLst/>
+          </a:prstGeom>
+        </p:spPr>
+      </p:pic>
     </p:spTree>
     <p:custDataLst>
-      <p:tags r:id="rId1"/>
+      <p:tags r:id="rId2"/>
     </p:custDataLst>
   </p:cSld>
   <p:clrMapOvr>
@@ -17155,33 +17162,42 @@
           <a:p>
             <a:r>
               <a:rPr lang="zh-CN" altLang="en-US"/>
-              <a:t>10.集成测试</a:t>
+              <a:t>系统测试</a:t>
             </a:r>
             <a:endParaRPr lang="zh-CN" altLang="en-US"/>
           </a:p>
         </p:txBody>
       </p:sp>
-      <p:sp>
-        <p:nvSpPr>
-          <p:cNvPr id="3" name="内容占位符 2"/>
-          <p:cNvSpPr>
-            <a:spLocks noGrp="1"/>
-          </p:cNvSpPr>
+      <p:pic>
+        <p:nvPicPr>
+          <p:cNvPr id="4" name="内容占位符 3"/>
+          <p:cNvPicPr>
+            <a:picLocks noChangeAspect="1"/>
+          </p:cNvPicPr>
           <p:nvPr>
             <p:ph idx="1"/>
           </p:nvPr>
-        </p:nvSpPr>
-        <p:spPr/>
-        <p:txBody>
-          <a:bodyPr/>
-          <a:p>
-            <a:endParaRPr lang="zh-CN" altLang="en-US"/>
-          </a:p>
-        </p:txBody>
-      </p:sp>
+        </p:nvPicPr>
+        <p:blipFill>
+          <a:blip r:embed="rId1"/>
+          <a:srcRect r="532"/>
+          <a:stretch>
+            <a:fillRect/>
+          </a:stretch>
+        </p:blipFill>
+        <p:spPr>
+          <a:xfrm>
+            <a:off x="669925" y="1244600"/>
+            <a:ext cx="10794365" cy="4803775"/>
+          </a:xfrm>
+          <a:prstGeom prst="rect">
+            <a:avLst/>
+          </a:prstGeom>
+        </p:spPr>
+      </p:pic>
     </p:spTree>
     <p:custDataLst>
-      <p:tags r:id="rId1"/>
+      <p:tags r:id="rId2"/>
     </p:custDataLst>
   </p:cSld>
   <p:clrMapOvr>
@@ -17216,129 +17232,7 @@
           <a:p>
             <a:r>
               <a:rPr lang="zh-CN" altLang="en-US"/>
-              <a:t>11.系统测试</a:t>
-            </a:r>
-            <a:endParaRPr lang="zh-CN" altLang="en-US"/>
-          </a:p>
-        </p:txBody>
-      </p:sp>
-      <p:sp>
-        <p:nvSpPr>
-          <p:cNvPr id="3" name="内容占位符 2"/>
-          <p:cNvSpPr>
-            <a:spLocks noGrp="1"/>
-          </p:cNvSpPr>
-          <p:nvPr>
-            <p:ph idx="1"/>
-          </p:nvPr>
-        </p:nvSpPr>
-        <p:spPr/>
-        <p:txBody>
-          <a:bodyPr/>
-          <a:p>
-            <a:endParaRPr lang="zh-CN" altLang="en-US"/>
-          </a:p>
-        </p:txBody>
-      </p:sp>
-    </p:spTree>
-    <p:custDataLst>
-      <p:tags r:id="rId1"/>
-    </p:custDataLst>
-  </p:cSld>
-  <p:clrMapOvr>
-    <a:masterClrMapping/>
-  </p:clrMapOvr>
-</p:sld>
-</file>
-
-<file path=ppt/slides/slide15.xml><?xml version="1.0" encoding="utf-8"?>
-<p:sld xmlns:a="http://schemas.openxmlformats.org/drawingml/2006/main" xmlns:r="http://schemas.openxmlformats.org/officeDocument/2006/relationships" xmlns:p="http://schemas.openxmlformats.org/presentationml/2006/main">
-  <p:cSld>
-    <p:spTree>
-      <p:nvGrpSpPr>
-        <p:cNvPr id="1" name=""/>
-        <p:cNvGrpSpPr/>
-        <p:nvPr/>
-      </p:nvGrpSpPr>
-      <p:grpSpPr/>
-      <p:sp>
-        <p:nvSpPr>
-          <p:cNvPr id="2" name="标题 1"/>
-          <p:cNvSpPr>
-            <a:spLocks noGrp="1"/>
-          </p:cNvSpPr>
-          <p:nvPr>
-            <p:ph type="title"/>
-          </p:nvPr>
-        </p:nvSpPr>
-        <p:spPr/>
-        <p:txBody>
-          <a:bodyPr/>
-          <a:p>
-            <a:r>
-              <a:rPr lang="zh-CN" altLang="en-US"/>
-              <a:t>12.用户环境的测试</a:t>
-            </a:r>
-            <a:endParaRPr lang="zh-CN" altLang="en-US"/>
-          </a:p>
-        </p:txBody>
-      </p:sp>
-      <p:sp>
-        <p:nvSpPr>
-          <p:cNvPr id="3" name="内容占位符 2"/>
-          <p:cNvSpPr>
-            <a:spLocks noGrp="1"/>
-          </p:cNvSpPr>
-          <p:nvPr>
-            <p:ph idx="1"/>
-          </p:nvPr>
-        </p:nvSpPr>
-        <p:spPr/>
-        <p:txBody>
-          <a:bodyPr/>
-          <a:p>
-            <a:endParaRPr lang="zh-CN" altLang="en-US"/>
-          </a:p>
-        </p:txBody>
-      </p:sp>
-    </p:spTree>
-    <p:custDataLst>
-      <p:tags r:id="rId1"/>
-    </p:custDataLst>
-  </p:cSld>
-  <p:clrMapOvr>
-    <a:masterClrMapping/>
-  </p:clrMapOvr>
-</p:sld>
-</file>
-
-<file path=ppt/slides/slide16.xml><?xml version="1.0" encoding="utf-8"?>
-<p:sld xmlns:a="http://schemas.openxmlformats.org/drawingml/2006/main" xmlns:r="http://schemas.openxmlformats.org/officeDocument/2006/relationships" xmlns:p="http://schemas.openxmlformats.org/presentationml/2006/main">
-  <p:cSld>
-    <p:spTree>
-      <p:nvGrpSpPr>
-        <p:cNvPr id="1" name=""/>
-        <p:cNvGrpSpPr/>
-        <p:nvPr/>
-      </p:nvGrpSpPr>
-      <p:grpSpPr/>
-      <p:sp>
-        <p:nvSpPr>
-          <p:cNvPr id="2" name="标题 1"/>
-          <p:cNvSpPr>
-            <a:spLocks noGrp="1"/>
-          </p:cNvSpPr>
-          <p:nvPr>
-            <p:ph type="title"/>
-          </p:nvPr>
-        </p:nvSpPr>
-        <p:spPr/>
-        <p:txBody>
-          <a:bodyPr/>
-          <a:p>
-            <a:r>
-              <a:rPr lang="zh-CN" altLang="en-US"/>
-              <a:t>13.最终用户的测试</a:t>
+              <a:t>最终用户的测试</a:t>
             </a:r>
             <a:endParaRPr lang="zh-CN" altLang="en-US"/>
           </a:p>
@@ -17403,7 +17297,7 @@
 </p:sld>
 </file>
 
-<file path=ppt/slides/slide17.xml><?xml version="1.0" encoding="utf-8"?>
+<file path=ppt/slides/slide15.xml><?xml version="1.0" encoding="utf-8"?>
 <p:sld xmlns:a="http://schemas.openxmlformats.org/drawingml/2006/main" xmlns:r="http://schemas.openxmlformats.org/officeDocument/2006/relationships" xmlns:p="http://schemas.openxmlformats.org/presentationml/2006/main">
   <p:cSld>
     <p:spTree>
@@ -17429,7 +17323,7 @@
           <a:p>
             <a:r>
               <a:rPr lang="zh-CN" altLang="en-US"/>
-              <a:t>14.用户手册</a:t>
+              <a:t>用户手册</a:t>
             </a:r>
             <a:endParaRPr lang="zh-CN" altLang="en-US"/>
           </a:p>
@@ -17473,6 +17367,207 @@
 </p:sld>
 </file>
 
+<file path=ppt/slides/slide16.xml><?xml version="1.0" encoding="utf-8"?>
+<p:sld xmlns:a="http://schemas.openxmlformats.org/drawingml/2006/main" xmlns:r="http://schemas.openxmlformats.org/officeDocument/2006/relationships" xmlns:p="http://schemas.openxmlformats.org/presentationml/2006/main">
+  <p:cSld>
+    <p:spTree>
+      <p:nvGrpSpPr>
+        <p:cNvPr id="1" name=""/>
+        <p:cNvGrpSpPr/>
+        <p:nvPr/>
+      </p:nvGrpSpPr>
+      <p:grpSpPr/>
+      <p:sp>
+        <p:nvSpPr>
+          <p:cNvPr id="2" name="标题 1"/>
+          <p:cNvSpPr>
+            <a:spLocks noGrp="1"/>
+          </p:cNvSpPr>
+          <p:nvPr>
+            <p:ph type="title"/>
+          </p:nvPr>
+        </p:nvSpPr>
+        <p:spPr/>
+        <p:txBody>
+          <a:bodyPr/>
+          <a:p>
+            <a:r>
+              <a:rPr lang="en-US" altLang="zh-CN"/>
+              <a:t>项目总结及评价</a:t>
+            </a:r>
+            <a:endParaRPr lang="en-US" altLang="zh-CN"/>
+          </a:p>
+        </p:txBody>
+      </p:sp>
+      <p:pic>
+        <p:nvPicPr>
+          <p:cNvPr id="4" name="图片 3"/>
+          <p:cNvPicPr>
+            <a:picLocks noChangeAspect="1"/>
+          </p:cNvPicPr>
+          <p:nvPr/>
+        </p:nvPicPr>
+        <p:blipFill>
+          <a:blip r:embed="rId1"/>
+          <a:stretch>
+            <a:fillRect/>
+          </a:stretch>
+        </p:blipFill>
+        <p:spPr>
+          <a:xfrm>
+            <a:off x="3418840" y="885190"/>
+            <a:ext cx="8475980" cy="5417185"/>
+          </a:xfrm>
+          <a:prstGeom prst="rect">
+            <a:avLst/>
+          </a:prstGeom>
+        </p:spPr>
+      </p:pic>
+    </p:spTree>
+    <p:custDataLst>
+      <p:tags r:id="rId2"/>
+    </p:custDataLst>
+  </p:cSld>
+  <p:clrMapOvr>
+    <a:masterClrMapping/>
+  </p:clrMapOvr>
+</p:sld>
+</file>
+
+<file path=ppt/slides/slide17.xml><?xml version="1.0" encoding="utf-8"?>
+<p:sld xmlns:a="http://schemas.openxmlformats.org/drawingml/2006/main" xmlns:r="http://schemas.openxmlformats.org/officeDocument/2006/relationships" xmlns:p="http://schemas.openxmlformats.org/presentationml/2006/main">
+  <p:cSld>
+    <p:spTree>
+      <p:nvGrpSpPr>
+        <p:cNvPr id="1" name=""/>
+        <p:cNvGrpSpPr/>
+        <p:nvPr/>
+      </p:nvGrpSpPr>
+      <p:grpSpPr/>
+      <p:sp>
+        <p:nvSpPr>
+          <p:cNvPr id="2" name="标题 1"/>
+          <p:cNvSpPr>
+            <a:spLocks noGrp="1"/>
+          </p:cNvSpPr>
+          <p:nvPr>
+            <p:ph type="title"/>
+          </p:nvPr>
+        </p:nvSpPr>
+        <p:spPr/>
+        <p:txBody>
+          <a:bodyPr/>
+          <a:p>
+            <a:r>
+              <a:rPr lang="zh-CN" altLang="en-US"/>
+              <a:t>项目总结及评价</a:t>
+            </a:r>
+            <a:endParaRPr lang="zh-CN" altLang="en-US"/>
+          </a:p>
+        </p:txBody>
+      </p:sp>
+      <p:pic>
+        <p:nvPicPr>
+          <p:cNvPr id="4" name="图片 3"/>
+          <p:cNvPicPr>
+            <a:picLocks noChangeAspect="1"/>
+          </p:cNvPicPr>
+          <p:nvPr/>
+        </p:nvPicPr>
+        <p:blipFill>
+          <a:blip r:embed="rId1"/>
+          <a:stretch>
+            <a:fillRect/>
+          </a:stretch>
+        </p:blipFill>
+        <p:spPr>
+          <a:xfrm>
+            <a:off x="3842385" y="885190"/>
+            <a:ext cx="7785735" cy="5457825"/>
+          </a:xfrm>
+          <a:prstGeom prst="rect">
+            <a:avLst/>
+          </a:prstGeom>
+        </p:spPr>
+      </p:pic>
+      <p:sp>
+        <p:nvSpPr>
+          <p:cNvPr id="5" name="文本框 4"/>
+          <p:cNvSpPr txBox="1"/>
+          <p:nvPr/>
+        </p:nvSpPr>
+        <p:spPr>
+          <a:xfrm>
+            <a:off x="201295" y="1363345"/>
+            <a:ext cx="5913755" cy="922020"/>
+          </a:xfrm>
+          <a:prstGeom prst="rect">
+            <a:avLst/>
+          </a:prstGeom>
+          <a:noFill/>
+        </p:spPr>
+        <p:txBody>
+          <a:bodyPr wrap="square" rtlCol="0" anchor="t">
+            <a:spAutoFit/>
+          </a:bodyPr>
+          <a:p>
+            <a:r>
+              <a:rPr lang="zh-CN" altLang="en-US"/>
+              <a:t>徐过	</a:t>
+            </a:r>
+            <a:r>
+              <a:rPr lang="en-US" altLang="zh-CN"/>
+              <a:t> </a:t>
+            </a:r>
+            <a:r>
+              <a:rPr lang="zh-CN" altLang="en-US"/>
+              <a:t>83.5	</a:t>
+            </a:r>
+            <a:endParaRPr lang="zh-CN" altLang="en-US"/>
+          </a:p>
+          <a:p>
+            <a:r>
+              <a:rPr lang="zh-CN" altLang="en-US"/>
+              <a:t>余浩凯	</a:t>
+            </a:r>
+            <a:r>
+              <a:rPr lang="en-US" altLang="zh-CN"/>
+              <a:t> </a:t>
+            </a:r>
+            <a:r>
+              <a:rPr lang="zh-CN" altLang="en-US"/>
+              <a:t>67.1	测试进度慢</a:t>
+            </a:r>
+            <a:endParaRPr lang="zh-CN" altLang="en-US"/>
+          </a:p>
+          <a:p>
+            <a:r>
+              <a:rPr lang="zh-CN" altLang="en-US"/>
+              <a:t>许罗阳宁</a:t>
+            </a:r>
+            <a:r>
+              <a:rPr lang="en-US" altLang="zh-CN"/>
+              <a:t> </a:t>
+            </a:r>
+            <a:r>
+              <a:rPr lang="zh-CN" altLang="en-US"/>
+              <a:t>68.75	测试进度慢</a:t>
+            </a:r>
+            <a:endParaRPr lang="zh-CN" altLang="en-US"/>
+          </a:p>
+        </p:txBody>
+      </p:sp>
+    </p:spTree>
+    <p:custDataLst>
+      <p:tags r:id="rId2"/>
+    </p:custDataLst>
+  </p:cSld>
+  <p:clrMapOvr>
+    <a:masterClrMapping/>
+  </p:clrMapOvr>
+</p:sld>
+</file>
+
 <file path=ppt/slides/slide18.xml><?xml version="1.0" encoding="utf-8"?>
 <p:sld xmlns:a="http://schemas.openxmlformats.org/drawingml/2006/main" xmlns:r="http://schemas.openxmlformats.org/officeDocument/2006/relationships" xmlns:p="http://schemas.openxmlformats.org/presentationml/2006/main">
   <p:cSld>
@@ -17498,10 +17593,10 @@
           <a:bodyPr/>
           <a:p>
             <a:r>
-              <a:rPr lang="en-US" altLang="zh-CN"/>
-              <a:t>15.项目总结及评价</a:t>
-            </a:r>
-            <a:endParaRPr lang="en-US" altLang="zh-CN"/>
+              <a:rPr lang="zh-CN" altLang="en-US"/>
+              <a:t>参考文献</a:t>
+            </a:r>
+            <a:endParaRPr lang="zh-CN" altLang="en-US"/>
           </a:p>
         </p:txBody>
       </p:sp>
@@ -17519,7 +17614,41 @@
         <p:txBody>
           <a:bodyPr/>
           <a:p>
-            <a:endParaRPr lang="zh-CN" altLang="en-US"/>
+            <a:r>
+              <a:rPr lang="en-US" altLang="zh-CN">
+                <a:sym typeface="+mn-ea"/>
+              </a:rPr>
+              <a:t>1.</a:t>
+            </a:r>
+            <a:r>
+              <a:rPr>
+                <a:sym typeface="+mn-ea"/>
+              </a:rPr>
+              <a:t>各类文件标准</a:t>
+            </a:r>
+            <a:endParaRPr lang="en-US" altLang="zh-CN">
+              <a:sym typeface="+mn-ea"/>
+            </a:endParaRPr>
+          </a:p>
+          <a:p>
+            <a:r>
+              <a:rPr>
+                <a:sym typeface="+mn-ea"/>
+              </a:rPr>
+              <a:t>http://openstd.samr.gov.cn/bzgk/gb/newGbInfo?hcno=84C42B6277D2714B7176B10C6E6B1A44国家标准网GB8567-2006  2021/10/7</a:t>
+            </a:r>
+            <a:endParaRPr lang="zh-CN" altLang="en-US">
+              <a:solidFill>
+                <a:schemeClr val="tx1"/>
+              </a:solidFill>
+            </a:endParaRPr>
+          </a:p>
+          <a:p>
+            <a:r>
+              <a:rPr lang="en-US" altLang="zh-CN"/>
+              <a:t>2 张善文；雷英杰，王旭启等编著．软件测试及其案例分析：西安电子科技大学出版社，2012.12：第120页</a:t>
+            </a:r>
+            <a:endParaRPr lang="en-US" altLang="zh-CN"/>
           </a:p>
         </p:txBody>
       </p:sp>
@@ -17535,512 +17664,6 @@
 </file>
 
 <file path=ppt/slides/slide19.xml><?xml version="1.0" encoding="utf-8"?>
-<p:sld xmlns:a="http://schemas.openxmlformats.org/drawingml/2006/main" xmlns:r="http://schemas.openxmlformats.org/officeDocument/2006/relationships" xmlns:p="http://schemas.openxmlformats.org/presentationml/2006/main">
-  <p:cSld>
-    <p:spTree>
-      <p:nvGrpSpPr>
-        <p:cNvPr id="1" name=""/>
-        <p:cNvGrpSpPr/>
-        <p:nvPr/>
-      </p:nvGrpSpPr>
-      <p:grpSpPr/>
-      <p:sp>
-        <p:nvSpPr>
-          <p:cNvPr id="2" name="标题 1"/>
-          <p:cNvSpPr>
-            <a:spLocks noGrp="1"/>
-          </p:cNvSpPr>
-          <p:nvPr>
-            <p:ph type="title"/>
-          </p:nvPr>
-        </p:nvSpPr>
-        <p:spPr/>
-        <p:txBody>
-          <a:bodyPr/>
-          <a:p>
-            <a:r>
-              <a:rPr lang="zh-CN" altLang="en-US"/>
-              <a:t>参考文献</a:t>
-            </a:r>
-            <a:endParaRPr lang="zh-CN" altLang="en-US"/>
-          </a:p>
-        </p:txBody>
-      </p:sp>
-      <p:sp>
-        <p:nvSpPr>
-          <p:cNvPr id="3" name="内容占位符 2"/>
-          <p:cNvSpPr>
-            <a:spLocks noGrp="1"/>
-          </p:cNvSpPr>
-          <p:nvPr>
-            <p:ph idx="1"/>
-          </p:nvPr>
-        </p:nvSpPr>
-        <p:spPr/>
-        <p:txBody>
-          <a:bodyPr/>
-          <a:p>
-            <a:r>
-              <a:rPr lang="en-US" altLang="zh-CN">
-                <a:sym typeface="+mn-ea"/>
-              </a:rPr>
-              <a:t>1.</a:t>
-            </a:r>
-            <a:r>
-              <a:rPr>
-                <a:sym typeface="+mn-ea"/>
-              </a:rPr>
-              <a:t>各类文件标准</a:t>
-            </a:r>
-            <a:endParaRPr lang="en-US" altLang="zh-CN">
-              <a:sym typeface="+mn-ea"/>
-            </a:endParaRPr>
-          </a:p>
-          <a:p>
-            <a:r>
-              <a:rPr>
-                <a:sym typeface="+mn-ea"/>
-              </a:rPr>
-              <a:t>http://openstd.samr.gov.cn/bzgk/gb/newGbInfo?hcno=84C42B6277D2714B7176B10C6E6B1A44国家标准网GB8567-2006  2021/10/7</a:t>
-            </a:r>
-            <a:endParaRPr lang="zh-CN" altLang="en-US">
-              <a:solidFill>
-                <a:schemeClr val="tx1"/>
-              </a:solidFill>
-            </a:endParaRPr>
-          </a:p>
-          <a:p>
-            <a:r>
-              <a:rPr lang="en-US" altLang="zh-CN"/>
-              <a:t>2 张善文；雷英杰，王旭启等编著．软件测试及其案例分析：西安电子科技大学出版社，2012.12：第120页</a:t>
-            </a:r>
-            <a:endParaRPr lang="en-US" altLang="zh-CN"/>
-          </a:p>
-        </p:txBody>
-      </p:sp>
-    </p:spTree>
-    <p:custDataLst>
-      <p:tags r:id="rId1"/>
-    </p:custDataLst>
-  </p:cSld>
-  <p:clrMapOvr>
-    <a:masterClrMapping/>
-  </p:clrMapOvr>
-</p:sld>
-</file>
-
-<file path=ppt/slides/slide2.xml><?xml version="1.0" encoding="utf-8"?>
-<p:sld xmlns:a="http://schemas.openxmlformats.org/drawingml/2006/main" xmlns:r="http://schemas.openxmlformats.org/officeDocument/2006/relationships" xmlns:p="http://schemas.openxmlformats.org/presentationml/2006/main">
-  <p:cSld>
-    <p:spTree>
-      <p:nvGrpSpPr>
-        <p:cNvPr id="1" name=""/>
-        <p:cNvGrpSpPr/>
-        <p:nvPr/>
-      </p:nvGrpSpPr>
-      <p:grpSpPr/>
-      <p:sp>
-        <p:nvSpPr>
-          <p:cNvPr id="2" name="标题 1"/>
-          <p:cNvSpPr>
-            <a:spLocks noGrp="1"/>
-          </p:cNvSpPr>
-          <p:nvPr>
-            <p:ph type="title"/>
-          </p:nvPr>
-        </p:nvSpPr>
-        <p:spPr>
-          <a:xfrm>
-            <a:off x="527007" y="386084"/>
-            <a:ext cx="10852237" cy="441964"/>
-          </a:xfrm>
-        </p:spPr>
-        <p:txBody>
-          <a:bodyPr/>
-          <a:p>
-            <a:pPr algn="ctr"/>
-            <a:r>
-              <a:rPr lang="zh-CN" altLang="en-US"/>
-              <a:t>目录（据评审表）</a:t>
-            </a:r>
-            <a:endParaRPr lang="zh-CN" altLang="en-US"/>
-          </a:p>
-        </p:txBody>
-      </p:sp>
-      <p:sp>
-        <p:nvSpPr>
-          <p:cNvPr id="3" name="内容占位符 2"/>
-          <p:cNvSpPr>
-            <a:spLocks noGrp="1"/>
-          </p:cNvSpPr>
-          <p:nvPr>
-            <p:ph idx="1"/>
-          </p:nvPr>
-        </p:nvSpPr>
-        <p:spPr>
-          <a:xfrm>
-            <a:off x="2103755" y="946785"/>
-            <a:ext cx="4195445" cy="5388610"/>
-          </a:xfrm>
-        </p:spPr>
-        <p:txBody>
-          <a:bodyPr>
-            <a:noAutofit/>
-          </a:bodyPr>
-          <a:p>
-            <a:pPr>
-              <a:lnSpc>
-                <a:spcPct val="200000"/>
-              </a:lnSpc>
-            </a:pPr>
-            <a:r>
-              <a:rPr lang="en-US" altLang="zh-CN" sz="1900"/>
-              <a:t>1.</a:t>
-            </a:r>
-            <a:r>
-              <a:rPr sz="1900"/>
-              <a:t>程序清单</a:t>
-            </a:r>
-            <a:endParaRPr sz="1900"/>
-          </a:p>
-          <a:p>
-            <a:pPr>
-              <a:lnSpc>
-                <a:spcPct val="200000"/>
-              </a:lnSpc>
-            </a:pPr>
-            <a:r>
-              <a:rPr lang="en-US" altLang="zh-CN" sz="1900"/>
-              <a:t>2.</a:t>
-            </a:r>
-            <a:r>
-              <a:rPr sz="1900"/>
-              <a:t>小组代码规范</a:t>
-            </a:r>
-            <a:endParaRPr sz="1900"/>
-          </a:p>
-          <a:p>
-            <a:pPr>
-              <a:lnSpc>
-                <a:spcPct val="200000"/>
-              </a:lnSpc>
-            </a:pPr>
-            <a:r>
-              <a:rPr lang="en-US" altLang="zh-CN" sz="1900"/>
-              <a:t>3.</a:t>
-            </a:r>
-            <a:r>
-              <a:rPr sz="1900"/>
-              <a:t>单元测试用例</a:t>
-            </a:r>
-            <a:endParaRPr sz="1900"/>
-          </a:p>
-          <a:p>
-            <a:pPr>
-              <a:lnSpc>
-                <a:spcPct val="200000"/>
-              </a:lnSpc>
-            </a:pPr>
-            <a:r>
-              <a:rPr lang="en-US" altLang="zh-CN" sz="1900"/>
-              <a:t>5.</a:t>
-            </a:r>
-            <a:r>
-              <a:rPr sz="1900"/>
-              <a:t>修订后的详细设计文件</a:t>
-            </a:r>
-            <a:endParaRPr sz="1900"/>
-          </a:p>
-          <a:p>
-            <a:pPr>
-              <a:lnSpc>
-                <a:spcPct val="200000"/>
-              </a:lnSpc>
-            </a:pPr>
-            <a:r>
-              <a:rPr lang="en-US" altLang="zh-CN" sz="1900"/>
-              <a:t>6.</a:t>
-            </a:r>
-            <a:r>
-              <a:rPr sz="1900"/>
-              <a:t>白盒测试原则体现</a:t>
-            </a:r>
-            <a:endParaRPr sz="1900"/>
-          </a:p>
-          <a:p>
-            <a:pPr>
-              <a:lnSpc>
-                <a:spcPct val="200000"/>
-              </a:lnSpc>
-            </a:pPr>
-            <a:r>
-              <a:rPr lang="en-US" altLang="zh-CN" sz="1900"/>
-              <a:t>7.</a:t>
-            </a:r>
-            <a:r>
-              <a:rPr sz="1900"/>
-              <a:t>版本控制服务器</a:t>
-            </a:r>
-            <a:endParaRPr sz="1900"/>
-          </a:p>
-          <a:p>
-            <a:pPr>
-              <a:lnSpc>
-                <a:spcPct val="200000"/>
-              </a:lnSpc>
-            </a:pPr>
-            <a:r>
-              <a:rPr lang="en-US" altLang="zh-CN" sz="1900"/>
-              <a:t>8.</a:t>
-            </a:r>
-            <a:r>
-              <a:rPr sz="1900"/>
-              <a:t>测试计划</a:t>
-            </a:r>
-            <a:endParaRPr sz="1900"/>
-          </a:p>
-          <a:p>
-            <a:pPr>
-              <a:lnSpc>
-                <a:spcPct val="200000"/>
-              </a:lnSpc>
-            </a:pPr>
-            <a:endParaRPr sz="1900"/>
-          </a:p>
-          <a:p>
-            <a:pPr>
-              <a:lnSpc>
-                <a:spcPct val="200000"/>
-              </a:lnSpc>
-            </a:pPr>
-            <a:endParaRPr sz="1300"/>
-          </a:p>
-        </p:txBody>
-      </p:sp>
-      <p:sp>
-        <p:nvSpPr>
-          <p:cNvPr id="4" name="文本框 3"/>
-          <p:cNvSpPr txBox="1"/>
-          <p:nvPr/>
-        </p:nvSpPr>
-        <p:spPr>
-          <a:xfrm>
-            <a:off x="6814185" y="946785"/>
-            <a:ext cx="4565015" cy="5631180"/>
-          </a:xfrm>
-          <a:prstGeom prst="rect">
-            <a:avLst/>
-          </a:prstGeom>
-          <a:noFill/>
-        </p:spPr>
-        <p:txBody>
-          <a:bodyPr wrap="square" rtlCol="0">
-            <a:spAutoFit/>
-          </a:bodyPr>
-          <a:p>
-            <a:pPr fontAlgn="auto">
-              <a:lnSpc>
-                <a:spcPct val="200000"/>
-              </a:lnSpc>
-            </a:pPr>
-            <a:r>
-              <a:rPr lang="en-US" altLang="zh-CN" sz="2000">
-                <a:sym typeface="+mn-ea"/>
-              </a:rPr>
-              <a:t>9.</a:t>
-            </a:r>
-            <a:r>
-              <a:rPr sz="2000">
-                <a:sym typeface="+mn-ea"/>
-              </a:rPr>
-              <a:t>测试结果</a:t>
-            </a:r>
-            <a:endParaRPr lang="en-US" altLang="zh-CN" sz="2000">
-              <a:sym typeface="+mn-ea"/>
-            </a:endParaRPr>
-          </a:p>
-          <a:p>
-            <a:pPr fontAlgn="auto">
-              <a:lnSpc>
-                <a:spcPct val="200000"/>
-              </a:lnSpc>
-            </a:pPr>
-            <a:r>
-              <a:rPr lang="en-US" altLang="zh-CN" sz="2000">
-                <a:sym typeface="+mn-ea"/>
-              </a:rPr>
-              <a:t>10.</a:t>
-            </a:r>
-            <a:r>
-              <a:rPr sz="2000">
-                <a:sym typeface="+mn-ea"/>
-              </a:rPr>
-              <a:t>集成测试</a:t>
-            </a:r>
-            <a:endParaRPr lang="zh-CN" altLang="en-US" sz="2000">
-              <a:sym typeface="+mn-ea"/>
-            </a:endParaRPr>
-          </a:p>
-          <a:p>
-            <a:pPr fontAlgn="auto">
-              <a:lnSpc>
-                <a:spcPct val="200000"/>
-              </a:lnSpc>
-            </a:pPr>
-            <a:r>
-              <a:rPr lang="en-US" altLang="zh-CN" sz="2000">
-                <a:sym typeface="+mn-ea"/>
-              </a:rPr>
-              <a:t>11.</a:t>
-            </a:r>
-            <a:r>
-              <a:rPr sz="2000">
-                <a:sym typeface="+mn-ea"/>
-              </a:rPr>
-              <a:t>系统测试</a:t>
-            </a:r>
-            <a:endParaRPr sz="2000">
-              <a:sym typeface="+mn-ea"/>
-            </a:endParaRPr>
-          </a:p>
-          <a:p>
-            <a:pPr fontAlgn="auto">
-              <a:lnSpc>
-                <a:spcPct val="200000"/>
-              </a:lnSpc>
-            </a:pPr>
-            <a:r>
-              <a:rPr lang="en-US" altLang="zh-CN" sz="2000">
-                <a:sym typeface="+mn-ea"/>
-              </a:rPr>
-              <a:t>12.</a:t>
-            </a:r>
-            <a:r>
-              <a:rPr sz="2000">
-                <a:sym typeface="+mn-ea"/>
-              </a:rPr>
-              <a:t>用户环境的测试</a:t>
-            </a:r>
-            <a:endParaRPr sz="2000">
-              <a:sym typeface="+mn-ea"/>
-            </a:endParaRPr>
-          </a:p>
-          <a:p>
-            <a:pPr fontAlgn="auto">
-              <a:lnSpc>
-                <a:spcPct val="200000"/>
-              </a:lnSpc>
-            </a:pPr>
-            <a:r>
-              <a:rPr lang="en-US" altLang="zh-CN" sz="2000">
-                <a:sym typeface="+mn-ea"/>
-              </a:rPr>
-              <a:t>13.</a:t>
-            </a:r>
-            <a:r>
-              <a:rPr sz="2000">
-                <a:sym typeface="+mn-ea"/>
-              </a:rPr>
-              <a:t>最终用户的测试</a:t>
-            </a:r>
-            <a:endParaRPr sz="2000">
-              <a:sym typeface="+mn-ea"/>
-            </a:endParaRPr>
-          </a:p>
-          <a:p>
-            <a:pPr fontAlgn="auto">
-              <a:lnSpc>
-                <a:spcPct val="200000"/>
-              </a:lnSpc>
-            </a:pPr>
-            <a:r>
-              <a:rPr lang="en-US" altLang="zh-CN" sz="2000">
-                <a:sym typeface="+mn-ea"/>
-              </a:rPr>
-              <a:t>14.</a:t>
-            </a:r>
-            <a:r>
-              <a:rPr sz="2000">
-                <a:sym typeface="+mn-ea"/>
-              </a:rPr>
-              <a:t>用户手册</a:t>
-            </a:r>
-            <a:endParaRPr sz="2000">
-              <a:sym typeface="+mn-ea"/>
-            </a:endParaRPr>
-          </a:p>
-          <a:p>
-            <a:pPr fontAlgn="auto">
-              <a:lnSpc>
-                <a:spcPct val="200000"/>
-              </a:lnSpc>
-            </a:pPr>
-            <a:r>
-              <a:rPr lang="en-US" altLang="zh-CN" sz="2000">
-                <a:sym typeface="+mn-ea"/>
-              </a:rPr>
-              <a:t>15.</a:t>
-            </a:r>
-            <a:r>
-              <a:rPr sz="2000">
-                <a:sym typeface="+mn-ea"/>
-              </a:rPr>
-              <a:t>项目总结</a:t>
-            </a:r>
-            <a:r>
-              <a:rPr lang="zh-CN" sz="2000">
-                <a:sym typeface="+mn-ea"/>
-              </a:rPr>
-              <a:t>及评价</a:t>
-            </a:r>
-            <a:endParaRPr lang="zh-CN" sz="2000">
-              <a:sym typeface="+mn-ea"/>
-            </a:endParaRPr>
-          </a:p>
-          <a:p>
-            <a:pPr fontAlgn="auto">
-              <a:lnSpc>
-                <a:spcPct val="200000"/>
-              </a:lnSpc>
-            </a:pPr>
-            <a:r>
-              <a:rPr lang="en-US" altLang="zh-CN" sz="2000">
-                <a:sym typeface="+mn-ea"/>
-              </a:rPr>
-              <a:t>16.</a:t>
-            </a:r>
-            <a:r>
-              <a:rPr lang="zh-CN" altLang="en-US" sz="2000">
-                <a:sym typeface="+mn-ea"/>
-              </a:rPr>
-              <a:t>参考文献</a:t>
-            </a:r>
-            <a:endParaRPr sz="2000">
-              <a:sym typeface="+mn-ea"/>
-            </a:endParaRPr>
-          </a:p>
-          <a:p>
-            <a:pPr fontAlgn="auto">
-              <a:lnSpc>
-                <a:spcPct val="200000"/>
-              </a:lnSpc>
-            </a:pPr>
-            <a:endParaRPr lang="zh-CN" altLang="en-US" sz="2000"/>
-          </a:p>
-        </p:txBody>
-      </p:sp>
-    </p:spTree>
-    <p:custDataLst>
-      <p:tags r:id="rId1"/>
-    </p:custDataLst>
-  </p:cSld>
-  <p:clrMapOvr>
-    <a:masterClrMapping/>
-  </p:clrMapOvr>
-</p:sld>
-</file>
-
-<file path=ppt/slides/slide20.xml><?xml version="1.0" encoding="utf-8"?>
 <p:sld xmlns:a="http://schemas.openxmlformats.org/drawingml/2006/main" xmlns:r="http://schemas.openxmlformats.org/officeDocument/2006/relationships" xmlns:p="http://schemas.openxmlformats.org/presentationml/2006/main">
   <p:cSld>
     <p:spTree>
@@ -18111,6 +17734,373 @@
 </p:sld>
 </file>
 
+<file path=ppt/slides/slide2.xml><?xml version="1.0" encoding="utf-8"?>
+<p:sld xmlns:a="http://schemas.openxmlformats.org/drawingml/2006/main" xmlns:r="http://schemas.openxmlformats.org/officeDocument/2006/relationships" xmlns:p="http://schemas.openxmlformats.org/presentationml/2006/main">
+  <p:cSld>
+    <p:spTree>
+      <p:nvGrpSpPr>
+        <p:cNvPr id="1" name=""/>
+        <p:cNvGrpSpPr/>
+        <p:nvPr/>
+      </p:nvGrpSpPr>
+      <p:grpSpPr/>
+      <p:sp>
+        <p:nvSpPr>
+          <p:cNvPr id="2" name="标题 1"/>
+          <p:cNvSpPr>
+            <a:spLocks noGrp="1"/>
+          </p:cNvSpPr>
+          <p:nvPr>
+            <p:ph type="title"/>
+          </p:nvPr>
+        </p:nvSpPr>
+        <p:spPr>
+          <a:xfrm>
+            <a:off x="527007" y="386084"/>
+            <a:ext cx="10852237" cy="441964"/>
+          </a:xfrm>
+        </p:spPr>
+        <p:txBody>
+          <a:bodyPr/>
+          <a:p>
+            <a:pPr algn="ctr"/>
+            <a:r>
+              <a:rPr lang="zh-CN" altLang="en-US"/>
+              <a:t>目录（据评审表）</a:t>
+            </a:r>
+            <a:endParaRPr lang="zh-CN" altLang="en-US"/>
+          </a:p>
+        </p:txBody>
+      </p:sp>
+      <p:sp>
+        <p:nvSpPr>
+          <p:cNvPr id="3" name="内容占位符 2"/>
+          <p:cNvSpPr>
+            <a:spLocks noGrp="1"/>
+          </p:cNvSpPr>
+          <p:nvPr>
+            <p:ph idx="1"/>
+          </p:nvPr>
+        </p:nvSpPr>
+        <p:spPr>
+          <a:xfrm>
+            <a:off x="2103755" y="946785"/>
+            <a:ext cx="4195445" cy="5388610"/>
+          </a:xfrm>
+        </p:spPr>
+        <p:txBody>
+          <a:bodyPr>
+            <a:noAutofit/>
+          </a:bodyPr>
+          <a:p>
+            <a:pPr>
+              <a:lnSpc>
+                <a:spcPct val="200000"/>
+              </a:lnSpc>
+            </a:pPr>
+            <a:r>
+              <a:rPr lang="en-US" altLang="zh-CN" sz="1900"/>
+              <a:t>1.</a:t>
+            </a:r>
+            <a:r>
+              <a:rPr sz="1900"/>
+              <a:t>程序清单</a:t>
+            </a:r>
+            <a:endParaRPr sz="1900"/>
+          </a:p>
+          <a:p>
+            <a:pPr>
+              <a:lnSpc>
+                <a:spcPct val="200000"/>
+              </a:lnSpc>
+            </a:pPr>
+            <a:r>
+              <a:rPr lang="en-US" altLang="zh-CN" sz="1900"/>
+              <a:t>2.</a:t>
+            </a:r>
+            <a:r>
+              <a:rPr sz="1900"/>
+              <a:t>小组代码规范</a:t>
+            </a:r>
+            <a:endParaRPr sz="1900"/>
+          </a:p>
+          <a:p>
+            <a:pPr>
+              <a:lnSpc>
+                <a:spcPct val="200000"/>
+              </a:lnSpc>
+            </a:pPr>
+            <a:r>
+              <a:rPr lang="en-US" altLang="zh-CN" sz="1900"/>
+              <a:t>3.</a:t>
+            </a:r>
+            <a:r>
+              <a:rPr sz="1900"/>
+              <a:t>单元测试用例</a:t>
+            </a:r>
+            <a:endParaRPr sz="1900"/>
+          </a:p>
+          <a:p>
+            <a:pPr>
+              <a:lnSpc>
+                <a:spcPct val="200000"/>
+              </a:lnSpc>
+            </a:pPr>
+            <a:r>
+              <a:rPr lang="en-US" altLang="zh-CN" sz="1900"/>
+              <a:t>4.</a:t>
+            </a:r>
+            <a:r>
+              <a:rPr sz="1900"/>
+              <a:t>修订后的详细设计文件</a:t>
+            </a:r>
+            <a:endParaRPr sz="1900"/>
+          </a:p>
+          <a:p>
+            <a:pPr>
+              <a:lnSpc>
+                <a:spcPct val="200000"/>
+              </a:lnSpc>
+            </a:pPr>
+            <a:r>
+              <a:rPr lang="en-US" altLang="zh-CN" sz="1900"/>
+              <a:t>5.</a:t>
+            </a:r>
+            <a:r>
+              <a:rPr sz="1900"/>
+              <a:t>白盒测试原则体现</a:t>
+            </a:r>
+            <a:endParaRPr sz="1900"/>
+          </a:p>
+          <a:p>
+            <a:pPr>
+              <a:lnSpc>
+                <a:spcPct val="200000"/>
+              </a:lnSpc>
+            </a:pPr>
+            <a:r>
+              <a:rPr lang="en-US" altLang="zh-CN" sz="1900"/>
+              <a:t>6.</a:t>
+            </a:r>
+            <a:r>
+              <a:rPr sz="1900"/>
+              <a:t>版本控制服务器</a:t>
+            </a:r>
+            <a:endParaRPr sz="1900"/>
+          </a:p>
+          <a:p>
+            <a:pPr>
+              <a:lnSpc>
+                <a:spcPct val="200000"/>
+              </a:lnSpc>
+            </a:pPr>
+            <a:r>
+              <a:rPr lang="en-US" altLang="zh-CN" sz="1900"/>
+              <a:t>7.</a:t>
+            </a:r>
+            <a:r>
+              <a:rPr sz="1900"/>
+              <a:t>测试计划</a:t>
+            </a:r>
+            <a:endParaRPr sz="1900"/>
+          </a:p>
+          <a:p>
+            <a:pPr>
+              <a:lnSpc>
+                <a:spcPct val="200000"/>
+              </a:lnSpc>
+            </a:pPr>
+            <a:endParaRPr sz="1900"/>
+          </a:p>
+          <a:p>
+            <a:pPr>
+              <a:lnSpc>
+                <a:spcPct val="200000"/>
+              </a:lnSpc>
+            </a:pPr>
+            <a:endParaRPr sz="1300"/>
+          </a:p>
+        </p:txBody>
+      </p:sp>
+      <p:sp>
+        <p:nvSpPr>
+          <p:cNvPr id="4" name="文本框 3"/>
+          <p:cNvSpPr txBox="1"/>
+          <p:nvPr/>
+        </p:nvSpPr>
+        <p:spPr>
+          <a:xfrm>
+            <a:off x="6814185" y="946785"/>
+            <a:ext cx="4565015" cy="4399915"/>
+          </a:xfrm>
+          <a:prstGeom prst="rect">
+            <a:avLst/>
+          </a:prstGeom>
+          <a:noFill/>
+        </p:spPr>
+        <p:txBody>
+          <a:bodyPr wrap="square" rtlCol="0">
+            <a:spAutoFit/>
+          </a:bodyPr>
+          <a:p>
+            <a:pPr fontAlgn="auto">
+              <a:lnSpc>
+                <a:spcPct val="200000"/>
+              </a:lnSpc>
+            </a:pPr>
+            <a:r>
+              <a:rPr lang="en-US" altLang="zh-CN" sz="2000">
+                <a:sym typeface="+mn-ea"/>
+              </a:rPr>
+              <a:t>8.</a:t>
+            </a:r>
+            <a:r>
+              <a:rPr sz="2000">
+                <a:sym typeface="+mn-ea"/>
+              </a:rPr>
+              <a:t>集成测试</a:t>
+            </a:r>
+            <a:endParaRPr lang="zh-CN" altLang="en-US" sz="2000">
+              <a:sym typeface="+mn-ea"/>
+            </a:endParaRPr>
+          </a:p>
+          <a:p>
+            <a:pPr fontAlgn="auto">
+              <a:lnSpc>
+                <a:spcPct val="200000"/>
+              </a:lnSpc>
+            </a:pPr>
+            <a:r>
+              <a:rPr lang="en-US" altLang="zh-CN" sz="2000">
+                <a:sym typeface="+mn-ea"/>
+              </a:rPr>
+              <a:t>9.</a:t>
+            </a:r>
+            <a:r>
+              <a:rPr sz="2000">
+                <a:sym typeface="+mn-ea"/>
+              </a:rPr>
+              <a:t>系统测试</a:t>
+            </a:r>
+            <a:endParaRPr sz="2000">
+              <a:sym typeface="+mn-ea"/>
+            </a:endParaRPr>
+          </a:p>
+          <a:p>
+            <a:pPr fontAlgn="auto">
+              <a:lnSpc>
+                <a:spcPct val="200000"/>
+              </a:lnSpc>
+            </a:pPr>
+            <a:r>
+              <a:rPr lang="en-US" altLang="zh-CN" sz="2000">
+                <a:sym typeface="+mn-ea"/>
+              </a:rPr>
+              <a:t>10.</a:t>
+            </a:r>
+            <a:r>
+              <a:rPr sz="2000">
+                <a:sym typeface="+mn-ea"/>
+              </a:rPr>
+              <a:t>最终用户的测试</a:t>
+            </a:r>
+            <a:endParaRPr sz="2000">
+              <a:sym typeface="+mn-ea"/>
+            </a:endParaRPr>
+          </a:p>
+          <a:p>
+            <a:pPr fontAlgn="auto">
+              <a:lnSpc>
+                <a:spcPct val="200000"/>
+              </a:lnSpc>
+            </a:pPr>
+            <a:r>
+              <a:rPr lang="en-US" altLang="zh-CN" sz="2000">
+                <a:sym typeface="+mn-ea"/>
+              </a:rPr>
+              <a:t>11.</a:t>
+            </a:r>
+            <a:r>
+              <a:rPr sz="2000">
+                <a:sym typeface="+mn-ea"/>
+              </a:rPr>
+              <a:t>用户手册</a:t>
+            </a:r>
+            <a:endParaRPr sz="2000">
+              <a:sym typeface="+mn-ea"/>
+            </a:endParaRPr>
+          </a:p>
+          <a:p>
+            <a:pPr fontAlgn="auto">
+              <a:lnSpc>
+                <a:spcPct val="200000"/>
+              </a:lnSpc>
+            </a:pPr>
+            <a:r>
+              <a:rPr lang="en-US" altLang="zh-CN" sz="2000">
+                <a:sym typeface="+mn-ea"/>
+              </a:rPr>
+              <a:t>12.</a:t>
+            </a:r>
+            <a:r>
+              <a:rPr sz="2000">
+                <a:sym typeface="+mn-ea"/>
+              </a:rPr>
+              <a:t>项目总结</a:t>
+            </a:r>
+            <a:r>
+              <a:rPr lang="zh-CN" sz="2000">
+                <a:sym typeface="+mn-ea"/>
+              </a:rPr>
+              <a:t>及评价</a:t>
+            </a:r>
+            <a:endParaRPr lang="zh-CN" sz="2000">
+              <a:sym typeface="+mn-ea"/>
+            </a:endParaRPr>
+          </a:p>
+          <a:p>
+            <a:pPr fontAlgn="auto">
+              <a:lnSpc>
+                <a:spcPct val="200000"/>
+              </a:lnSpc>
+            </a:pPr>
+            <a:r>
+              <a:rPr lang="en-US" altLang="zh-CN" sz="2000">
+                <a:sym typeface="+mn-ea"/>
+              </a:rPr>
+              <a:t>13.</a:t>
+            </a:r>
+            <a:r>
+              <a:rPr lang="zh-CN" altLang="en-US" sz="2000">
+                <a:sym typeface="+mn-ea"/>
+              </a:rPr>
+              <a:t>参考文献</a:t>
+            </a:r>
+            <a:endParaRPr sz="2000">
+              <a:sym typeface="+mn-ea"/>
+            </a:endParaRPr>
+          </a:p>
+          <a:p>
+            <a:pPr fontAlgn="auto">
+              <a:lnSpc>
+                <a:spcPct val="200000"/>
+              </a:lnSpc>
+            </a:pPr>
+            <a:endParaRPr lang="zh-CN" altLang="en-US" sz="2000"/>
+          </a:p>
+        </p:txBody>
+      </p:sp>
+    </p:spTree>
+    <p:custDataLst>
+      <p:tags r:id="rId1"/>
+    </p:custDataLst>
+  </p:cSld>
+  <p:clrMapOvr>
+    <a:masterClrMapping/>
+  </p:clrMapOvr>
+</p:sld>
+</file>
+
 <file path=ppt/slides/slide3.xml><?xml version="1.0" encoding="utf-8"?>
 <p:sld xmlns:a="http://schemas.openxmlformats.org/drawingml/2006/main" xmlns:r="http://schemas.openxmlformats.org/officeDocument/2006/relationships" xmlns:p="http://schemas.openxmlformats.org/presentationml/2006/main">
   <p:cSld>
@@ -18137,7 +18127,7 @@
           <a:p>
             <a:r>
               <a:rPr lang="zh-CN" altLang="en-US"/>
-              <a:t>1.程序清单</a:t>
+              <a:t>程序清单</a:t>
             </a:r>
             <a:endParaRPr lang="zh-CN" altLang="en-US"/>
           </a:p>
@@ -18206,7 +18196,7 @@
           <a:p>
             <a:r>
               <a:rPr lang="zh-CN" altLang="en-US"/>
-              <a:t>2.小组代码规范</a:t>
+              <a:t>小组代码规范</a:t>
             </a:r>
             <a:endParaRPr lang="zh-CN" altLang="en-US"/>
           </a:p>
@@ -18356,7 +18346,7 @@
           <a:p>
             <a:r>
               <a:rPr lang="zh-CN" altLang="en-US"/>
-              <a:t>3.单元测试用例</a:t>
+              <a:t>单元测试用例</a:t>
             </a:r>
             <a:endParaRPr lang="zh-CN" altLang="en-US"/>
           </a:p>
@@ -18505,7 +18495,7 @@
           <a:p>
             <a:r>
               <a:rPr lang="zh-CN" altLang="en-US"/>
-              <a:t>3.单元测试用例</a:t>
+              <a:t>单元测试用例</a:t>
             </a:r>
             <a:endParaRPr lang="zh-CN" altLang="en-US"/>
           </a:p>
@@ -18654,7 +18644,7 @@
           <a:p>
             <a:r>
               <a:rPr lang="zh-CN" altLang="en-US"/>
-              <a:t>3.单元测试用例</a:t>
+              <a:t>单元测试用例</a:t>
             </a:r>
             <a:endParaRPr lang="zh-CN" altLang="en-US"/>
           </a:p>
@@ -18803,7 +18793,7 @@
           <a:p>
             <a:r>
               <a:rPr lang="zh-CN" altLang="en-US"/>
-              <a:t>5.修订后的详细设计文件</a:t>
+              <a:t>修订后的详细设计文件</a:t>
             </a:r>
             <a:endParaRPr lang="zh-CN" altLang="en-US"/>
           </a:p>
@@ -18954,7 +18944,7 @@
           <a:p>
             <a:r>
               <a:rPr lang="zh-CN" altLang="en-US"/>
-              <a:t>6.白盒测试原则体现</a:t>
+              <a:t>白盒测试原则体现</a:t>
             </a:r>
             <a:endParaRPr lang="zh-CN" altLang="en-US"/>
           </a:p>
@@ -22182,14 +22172,6 @@
 
 <file path=ppt/tags/tag258.xml><?xml version="1.0" encoding="utf-8"?>
 <p:tagLst xmlns:p="http://schemas.openxmlformats.org/presentationml/2006/main">
-  <p:tag name="KSO_WM_BEAUTIFY_FLAG" val="#wm#"/>
-  <p:tag name="KSO_WM_TEMPLATE_CATEGORY" val="custom"/>
-  <p:tag name="KSO_WM_TEMPLATE_INDEX" val="20200219"/>
-</p:tagLst>
-</file>
-
-<file path=ppt/tags/tag259.xml><?xml version="1.0" encoding="utf-8"?>
-<p:tagLst xmlns:p="http://schemas.openxmlformats.org/presentationml/2006/main">
   <p:tag name="KSO_WM_UNIT_ISCONTENTSTITLE" val="0"/>
   <p:tag name="KSO_WM_UNIT_VALUE" val="5"/>
   <p:tag name="KSO_WM_UNIT_HIGHLIGHT" val="0"/>
@@ -22212,13 +22194,7 @@
 </p:tagLst>
 </file>
 
-<file path=ppt/tags/tag26.xml><?xml version="1.0" encoding="utf-8"?>
-<p:tagLst xmlns:p="http://schemas.openxmlformats.org/presentationml/2006/main">
-  <p:tag name="KSO_WM_SLIDE_BACKGROUND_TYPE" val="general"/>
-</p:tagLst>
-</file>
-
-<file path=ppt/tags/tag260.xml><?xml version="1.0" encoding="utf-8"?>
+<file path=ppt/tags/tag259.xml><?xml version="1.0" encoding="utf-8"?>
 <p:tagLst xmlns:p="http://schemas.openxmlformats.org/presentationml/2006/main">
   <p:tag name="KSO_WM_BEAUTIFY_FLAG" val="#wm#"/>
   <p:tag name="KSO_WM_TEMPLATE_CATEGORY" val="custom"/>
@@ -22234,6 +22210,12 @@
   <p:tag name="KSO_WM_TEMPLATE_SUBCATEGORY" val="0"/>
   <p:tag name="KSO_WM_TEMPLATE_MASTER_TYPE" val="1"/>
   <p:tag name="KSO_WM_TEMPLATE_COLOR_TYPE" val="1"/>
+</p:tagLst>
+</file>
+
+<file path=ppt/tags/tag26.xml><?xml version="1.0" encoding="utf-8"?>
+<p:tagLst xmlns:p="http://schemas.openxmlformats.org/presentationml/2006/main">
+  <p:tag name="KSO_WM_SLIDE_BACKGROUND_TYPE" val="general"/>
 </p:tagLst>
 </file>
 
